--- a/console/Big-Data-Infrastructure-Services/使用向导原型底图.pptx
+++ b/console/Big-Data-Infrastructure-Services/使用向导原型底图.pptx
@@ -257,7 +257,7 @@
           <a:p>
             <a:fld id="{1FD7CE76-15C7-45FD-B2F2-3BF0F69C2613}" type="datetimeFigureOut">
               <a:rPr lang="zh-CN" altLang="en-US" smtClean="0"/>
-              <a:t>2018/8/24</a:t>
+              <a:t>2018/9/3</a:t>
             </a:fld>
             <a:endParaRPr lang="zh-CN" altLang="en-US"/>
           </a:p>
@@ -425,7 +425,7 @@
           <a:p>
             <a:fld id="{1FD7CE76-15C7-45FD-B2F2-3BF0F69C2613}" type="datetimeFigureOut">
               <a:rPr lang="zh-CN" altLang="en-US" smtClean="0"/>
-              <a:t>2018/8/24</a:t>
+              <a:t>2018/9/3</a:t>
             </a:fld>
             <a:endParaRPr lang="zh-CN" altLang="en-US"/>
           </a:p>
@@ -603,7 +603,7 @@
           <a:p>
             <a:fld id="{1FD7CE76-15C7-45FD-B2F2-3BF0F69C2613}" type="datetimeFigureOut">
               <a:rPr lang="zh-CN" altLang="en-US" smtClean="0"/>
-              <a:t>2018/8/24</a:t>
+              <a:t>2018/9/3</a:t>
             </a:fld>
             <a:endParaRPr lang="zh-CN" altLang="en-US"/>
           </a:p>
@@ -771,7 +771,7 @@
           <a:p>
             <a:fld id="{1FD7CE76-15C7-45FD-B2F2-3BF0F69C2613}" type="datetimeFigureOut">
               <a:rPr lang="zh-CN" altLang="en-US" smtClean="0"/>
-              <a:t>2018/8/24</a:t>
+              <a:t>2018/9/3</a:t>
             </a:fld>
             <a:endParaRPr lang="zh-CN" altLang="en-US"/>
           </a:p>
@@ -1016,7 +1016,7 @@
           <a:p>
             <a:fld id="{1FD7CE76-15C7-45FD-B2F2-3BF0F69C2613}" type="datetimeFigureOut">
               <a:rPr lang="zh-CN" altLang="en-US" smtClean="0"/>
-              <a:t>2018/8/24</a:t>
+              <a:t>2018/9/3</a:t>
             </a:fld>
             <a:endParaRPr lang="zh-CN" altLang="en-US"/>
           </a:p>
@@ -1245,7 +1245,7 @@
           <a:p>
             <a:fld id="{1FD7CE76-15C7-45FD-B2F2-3BF0F69C2613}" type="datetimeFigureOut">
               <a:rPr lang="zh-CN" altLang="en-US" smtClean="0"/>
-              <a:t>2018/8/24</a:t>
+              <a:t>2018/9/3</a:t>
             </a:fld>
             <a:endParaRPr lang="zh-CN" altLang="en-US"/>
           </a:p>
@@ -1609,7 +1609,7 @@
           <a:p>
             <a:fld id="{1FD7CE76-15C7-45FD-B2F2-3BF0F69C2613}" type="datetimeFigureOut">
               <a:rPr lang="zh-CN" altLang="en-US" smtClean="0"/>
-              <a:t>2018/8/24</a:t>
+              <a:t>2018/9/3</a:t>
             </a:fld>
             <a:endParaRPr lang="zh-CN" altLang="en-US"/>
           </a:p>
@@ -1726,7 +1726,7 @@
           <a:p>
             <a:fld id="{1FD7CE76-15C7-45FD-B2F2-3BF0F69C2613}" type="datetimeFigureOut">
               <a:rPr lang="zh-CN" altLang="en-US" smtClean="0"/>
-              <a:t>2018/8/24</a:t>
+              <a:t>2018/9/3</a:t>
             </a:fld>
             <a:endParaRPr lang="zh-CN" altLang="en-US"/>
           </a:p>
@@ -1821,7 +1821,7 @@
           <a:p>
             <a:fld id="{1FD7CE76-15C7-45FD-B2F2-3BF0F69C2613}" type="datetimeFigureOut">
               <a:rPr lang="zh-CN" altLang="en-US" smtClean="0"/>
-              <a:t>2018/8/24</a:t>
+              <a:t>2018/9/3</a:t>
             </a:fld>
             <a:endParaRPr lang="zh-CN" altLang="en-US"/>
           </a:p>
@@ -2096,7 +2096,7 @@
           <a:p>
             <a:fld id="{1FD7CE76-15C7-45FD-B2F2-3BF0F69C2613}" type="datetimeFigureOut">
               <a:rPr lang="zh-CN" altLang="en-US" smtClean="0"/>
-              <a:t>2018/8/24</a:t>
+              <a:t>2018/9/3</a:t>
             </a:fld>
             <a:endParaRPr lang="zh-CN" altLang="en-US"/>
           </a:p>
@@ -2348,7 +2348,7 @@
           <a:p>
             <a:fld id="{1FD7CE76-15C7-45FD-B2F2-3BF0F69C2613}" type="datetimeFigureOut">
               <a:rPr lang="zh-CN" altLang="en-US" smtClean="0"/>
-              <a:t>2018/8/24</a:t>
+              <a:t>2018/9/3</a:t>
             </a:fld>
             <a:endParaRPr lang="zh-CN" altLang="en-US"/>
           </a:p>
@@ -2559,7 +2559,7 @@
           <a:p>
             <a:fld id="{1FD7CE76-15C7-45FD-B2F2-3BF0F69C2613}" type="datetimeFigureOut">
               <a:rPr lang="zh-CN" altLang="en-US" smtClean="0"/>
-              <a:t>2018/8/24</a:t>
+              <a:t>2018/9/3</a:t>
             </a:fld>
             <a:endParaRPr lang="zh-CN" altLang="en-US"/>
           </a:p>
@@ -2983,6 +2983,8 @@
             <a:r>
               <a:rPr lang="en-US" b="0" i="0" u="none" baseline="0" dirty="0">
                 <a:latin typeface="+mn-lt"/>
+                <a:ea typeface="+mn-ea"/>
+                <a:cs typeface="+mn-ea"/>
                 <a:sym typeface="+mn-lt"/>
               </a:rPr>
               <a:t>Prototype Chart</a:t>
@@ -3238,8 +3240,8 @@
         </p:nvSpPr>
         <p:spPr>
           <a:xfrm>
-            <a:off x="5613099" y="2753745"/>
-            <a:ext cx="1310327" cy="738664"/>
+            <a:off x="5818356" y="2753745"/>
+            <a:ext cx="1105070" cy="600164"/>
           </a:xfrm>
           <a:prstGeom prst="rect">
             <a:avLst/>
@@ -3254,11 +3256,11 @@
           <a:p>
             <a:pPr algn="ctr" rtl="0"/>
             <a:r>
-              <a:rPr lang="en-US" sz="1400" b="0" i="0" u="none" baseline="0" dirty="0">
+              <a:rPr lang="en-US" sz="1100" b="0" i="0" u="none" baseline="0" dirty="0">
                 <a:solidFill>
                   <a:srgbClr val="002060"/>
                 </a:solidFill>
-                <a:ea typeface="微软雅黑" panose="020B0503020204020204" pitchFamily="34" charset="-122"/>
+                <a:cs typeface="+mn-ea"/>
                 <a:sym typeface="+mn-lt"/>
               </a:rPr>
               <a:t>Big Data Infrastructure Services</a:t>
@@ -3274,8 +3276,8 @@
         </p:nvSpPr>
         <p:spPr>
           <a:xfrm>
-            <a:off x="2088978" y="4119631"/>
-            <a:ext cx="1604289" cy="523220"/>
+            <a:off x="2216864" y="4145774"/>
+            <a:ext cx="1279872" cy="430887"/>
           </a:xfrm>
           <a:prstGeom prst="rect">
             <a:avLst/>
@@ -3290,11 +3292,11 @@
           <a:p>
             <a:pPr algn="ctr" rtl="0"/>
             <a:r>
-              <a:rPr lang="en-US" sz="1400" b="0" i="0" u="none" baseline="0" dirty="0">
+              <a:rPr lang="en-US" sz="1100" b="0" i="0" u="none" baseline="0" dirty="0">
                 <a:solidFill>
                   <a:srgbClr val="002060"/>
                 </a:solidFill>
-                <a:ea typeface="微软雅黑" panose="020B0503020204020204" pitchFamily="34" charset="-122"/>
+                <a:cs typeface="+mn-ea"/>
                 <a:sym typeface="+mn-lt"/>
               </a:rPr>
               <a:t>Data Computing Service</a:t>
@@ -3310,8 +3312,8 @@
         </p:nvSpPr>
         <p:spPr>
           <a:xfrm>
-            <a:off x="8014918" y="1447108"/>
-            <a:ext cx="1205282" cy="523220"/>
+            <a:off x="8014918" y="1535240"/>
+            <a:ext cx="1103682" cy="430887"/>
           </a:xfrm>
           <a:prstGeom prst="rect">
             <a:avLst/>
@@ -3326,11 +3328,11 @@
           <a:p>
             <a:pPr algn="ctr" rtl="0"/>
             <a:r>
-              <a:rPr lang="en-US" sz="1400" b="0" i="0" u="none" baseline="0" dirty="0">
+              <a:rPr lang="en-US" sz="1100" b="0" i="0" u="none" baseline="0" dirty="0">
                 <a:solidFill>
                   <a:srgbClr val="002060"/>
                 </a:solidFill>
-                <a:ea typeface="微软雅黑" panose="020B0503020204020204" pitchFamily="34" charset="-122"/>
+                <a:cs typeface="+mn-ea"/>
                 <a:sym typeface="+mn-lt"/>
               </a:rPr>
               <a:t>Streaming Data Bus</a:t>
@@ -3346,8 +3348,8 @@
         </p:nvSpPr>
         <p:spPr>
           <a:xfrm>
-            <a:off x="8295309" y="4281212"/>
-            <a:ext cx="1564600" cy="523220"/>
+            <a:off x="8578319" y="4380541"/>
+            <a:ext cx="947511" cy="430887"/>
           </a:xfrm>
           <a:prstGeom prst="rect">
             <a:avLst/>
@@ -3362,11 +3364,11 @@
           <a:p>
             <a:pPr algn="ctr" rtl="0"/>
             <a:r>
-              <a:rPr lang="en-US" sz="1400" b="0" i="0" u="none" baseline="0" dirty="0">
+              <a:rPr lang="en-US" sz="1100" b="0" i="0" u="none" baseline="0" dirty="0">
                 <a:solidFill>
                   <a:srgbClr val="002060"/>
                 </a:solidFill>
-                <a:ea typeface="微软雅黑" panose="020B0503020204020204" pitchFamily="34" charset="-122"/>
+                <a:cs typeface="+mn-ea"/>
                 <a:sym typeface="+mn-lt"/>
               </a:rPr>
               <a:t>Stream Computing</a:t>
@@ -3382,8 +3384,8 @@
         </p:nvSpPr>
         <p:spPr>
           <a:xfrm>
-            <a:off x="5986102" y="5675346"/>
-            <a:ext cx="1141627" cy="461665"/>
+            <a:off x="6045201" y="5745650"/>
+            <a:ext cx="990600" cy="430887"/>
           </a:xfrm>
           <a:prstGeom prst="rect">
             <a:avLst/>
@@ -3398,20 +3400,20 @@
           <a:p>
             <a:pPr algn="ctr" rtl="0"/>
             <a:r>
-              <a:rPr lang="en-US" sz="1200" b="0" i="0" u="none" baseline="0" dirty="0">
+              <a:rPr lang="en-US" sz="1100" b="0" i="0" u="none" baseline="0" dirty="0">
                 <a:solidFill>
                   <a:srgbClr val="002060"/>
                 </a:solidFill>
-                <a:ea typeface="微软雅黑" panose="020B0503020204020204" pitchFamily="34" charset="-122"/>
+                <a:cs typeface="+mn-ea"/>
                 <a:sym typeface="+mn-lt"/>
               </a:rPr>
               <a:t>JD MapReduce</a:t>
             </a:r>
-            <a:endParaRPr lang="en-US" altLang="en-US" sz="1200" dirty="0">
+            <a:endParaRPr lang="en-US" altLang="en-US" sz="1100" dirty="0">
               <a:solidFill>
                 <a:srgbClr val="002060"/>
               </a:solidFill>
-              <a:ea typeface="微软雅黑" panose="020B0503020204020204" pitchFamily="34" charset="-122"/>
+              <a:cs typeface="+mn-ea"/>
               <a:sym typeface="+mn-lt"/>
             </a:endParaRPr>
           </a:p>
@@ -3545,8 +3547,8 @@
         </p:nvSpPr>
         <p:spPr>
           <a:xfrm>
-            <a:off x="2539390" y="1503739"/>
-            <a:ext cx="1034427" cy="523220"/>
+            <a:off x="2527923" y="1566639"/>
+            <a:ext cx="1316710" cy="261610"/>
           </a:xfrm>
           <a:prstGeom prst="rect">
             <a:avLst/>
@@ -3559,13 +3561,13 @@
           </a:bodyPr>
           <a:lstStyle/>
           <a:p>
-            <a:pPr algn="ctr" rtl="0"/>
-            <a:r>
-              <a:rPr lang="en-US" sz="1400" b="0" i="0" u="none" baseline="0" dirty="0">
+            <a:pPr algn="l" rtl="0"/>
+            <a:r>
+              <a:rPr lang="en-US" sz="1100" b="0" i="0" u="none" baseline="0" dirty="0">
                 <a:solidFill>
                   <a:srgbClr val="002060"/>
                 </a:solidFill>
-                <a:ea typeface="微软雅黑" panose="020B0503020204020204" pitchFamily="34" charset="-122"/>
+                <a:cs typeface="+mn-ea"/>
                 <a:sym typeface="+mn-lt"/>
               </a:rPr>
               <a:t>Data Factory</a:t>
@@ -3636,7 +3638,8 @@
                 <a:sym typeface="Calibri"/>
               </a:defRPr>
             </a:pPr>
-            <a:endParaRPr sz="1400" dirty="0">
+            <a:endParaRPr sz="1200" dirty="0">
+              <a:cs typeface="+mn-ea"/>
               <a:sym typeface="+mn-lt"/>
             </a:endParaRPr>
           </a:p>
@@ -3650,8 +3653,8 @@
         </p:nvSpPr>
         <p:spPr>
           <a:xfrm>
-            <a:off x="552238" y="1564854"/>
-            <a:ext cx="2436949" cy="1384995"/>
+            <a:off x="763721" y="1663919"/>
+            <a:ext cx="2225466" cy="1200329"/>
           </a:xfrm>
           <a:prstGeom prst="rect">
             <a:avLst/>
@@ -3663,71 +3666,71 @@
           </a:bodyPr>
           <a:lstStyle/>
           <a:p>
-            <a:pPr marL="171450" indent="-171450" algn="l" rtl="0">
+            <a:pPr marL="171450" indent="-171450" rtl="0">
               <a:buFont typeface="Arial" panose="020B0604020202020204" pitchFamily="34" charset="0"/>
               <a:buChar char="•"/>
             </a:pPr>
             <a:r>
-              <a:rPr lang="en-US" sz="1400" b="0" i="0" u="none" baseline="0" dirty="0">
+              <a:rPr lang="en-US" sz="1200" b="0" i="0" u="none" baseline="0" dirty="0">
                 <a:solidFill>
                   <a:schemeClr val="bg1"/>
                 </a:solidFill>
-                <a:ea typeface="微软雅黑" panose="020B0503020204020204" pitchFamily="34" charset="-122"/>
+                <a:cs typeface="+mn-ea"/>
                 <a:sym typeface="+mn-lt"/>
               </a:rPr>
               <a:t>Data synchronization among different data sources;</a:t>
             </a:r>
-            <a:endParaRPr lang="en-US" altLang="zh-CN" sz="1400" dirty="0">
+            <a:endParaRPr lang="en-US" altLang="zh-CN" sz="1200" dirty="0">
               <a:solidFill>
                 <a:schemeClr val="bg1"/>
               </a:solidFill>
-              <a:ea typeface="微软雅黑" panose="020B0503020204020204" pitchFamily="34" charset="-122"/>
+              <a:cs typeface="+mn-ea"/>
               <a:sym typeface="+mn-lt"/>
             </a:endParaRPr>
           </a:p>
           <a:p>
-            <a:pPr marL="171450" indent="-171450" algn="ctr" rtl="0">
+            <a:pPr marL="171450" indent="-171450" rtl="0">
               <a:buFont typeface="Arial" panose="020B0604020202020204" pitchFamily="34" charset="0"/>
               <a:buChar char="•"/>
             </a:pPr>
             <a:r>
-              <a:rPr lang="en-US" sz="1400" b="0" i="0" u="none" baseline="0" dirty="0">
+              <a:rPr lang="en-US" sz="1200" b="0" i="0" u="none" baseline="0" dirty="0">
                 <a:solidFill>
                   <a:schemeClr val="bg1"/>
                 </a:solidFill>
-                <a:ea typeface="微软雅黑" panose="020B0503020204020204" pitchFamily="34" charset="-122"/>
+                <a:cs typeface="+mn-ea"/>
                 <a:sym typeface="+mn-lt"/>
               </a:rPr>
               <a:t>Periodic task scheduling;</a:t>
             </a:r>
-            <a:endParaRPr lang="en-US" altLang="zh-CN" sz="1400" dirty="0">
+            <a:endParaRPr lang="en-US" altLang="zh-CN" sz="1200" dirty="0">
               <a:solidFill>
                 <a:schemeClr val="bg1"/>
               </a:solidFill>
-              <a:ea typeface="微软雅黑" panose="020B0503020204020204" pitchFamily="34" charset="-122"/>
+              <a:cs typeface="+mn-ea"/>
               <a:sym typeface="+mn-lt"/>
             </a:endParaRPr>
           </a:p>
           <a:p>
-            <a:pPr marL="171450" indent="-171450" algn="ctr" rtl="0">
+            <a:pPr marL="171450" indent="-171450" rtl="0">
               <a:buFont typeface="Arial" panose="020B0604020202020204" pitchFamily="34" charset="0"/>
               <a:buChar char="•"/>
             </a:pPr>
             <a:r>
-              <a:rPr lang="en-US" sz="1400" b="0" i="0" u="none" baseline="0" dirty="0">
+              <a:rPr lang="en-US" sz="1200" b="0" i="0" u="none" baseline="0" dirty="0">
                 <a:solidFill>
                   <a:schemeClr val="bg1"/>
                 </a:solidFill>
-                <a:ea typeface="微软雅黑" panose="020B0503020204020204" pitchFamily="34" charset="-122"/>
+                <a:cs typeface="+mn-ea"/>
                 <a:sym typeface="+mn-lt"/>
               </a:rPr>
               <a:t>Task monitoring and early warning;</a:t>
             </a:r>
-            <a:endParaRPr lang="en-US" altLang="zh-CN" sz="1400" dirty="0">
+            <a:endParaRPr lang="en-US" altLang="zh-CN" sz="1200" dirty="0">
               <a:solidFill>
                 <a:schemeClr val="bg1"/>
               </a:solidFill>
-              <a:ea typeface="微软雅黑" panose="020B0503020204020204" pitchFamily="34" charset="-122"/>
+              <a:cs typeface="+mn-ea"/>
               <a:sym typeface="+mn-lt"/>
             </a:endParaRPr>
           </a:p>
@@ -3742,7 +3745,7 @@
         <p:spPr>
           <a:xfrm>
             <a:off x="763721" y="3770340"/>
-            <a:ext cx="3118468" cy="1363134"/>
+            <a:ext cx="2522943" cy="1398458"/>
           </a:xfrm>
           <a:prstGeom prst="rect">
             <a:avLst/>
@@ -3762,12 +3765,13 @@
               <a:buFont typeface="Arial" panose="020B0604020202020204" pitchFamily="34" charset="0"/>
               <a:buChar char="•"/>
             </a:pPr>
-            <a:endParaRPr lang="en-US" altLang="en-US" sz="1400" dirty="0">
+            <a:endParaRPr lang="en-US" altLang="en-US" sz="1200" dirty="0">
               <a:solidFill>
                 <a:schemeClr val="bg1">
                   <a:lumMod val="85000"/>
                 </a:schemeClr>
               </a:solidFill>
+              <a:cs typeface="+mn-ea"/>
               <a:sym typeface="+mn-lt"/>
             </a:endParaRPr>
           </a:p>
@@ -3782,7 +3786,7 @@
         <p:spPr>
           <a:xfrm>
             <a:off x="763721" y="3809775"/>
-            <a:ext cx="3118468" cy="1169551"/>
+            <a:ext cx="2692911" cy="1015663"/>
           </a:xfrm>
           <a:prstGeom prst="rect">
             <a:avLst/>
@@ -3799,20 +3803,20 @@
               <a:buChar char="•"/>
             </a:pPr>
             <a:r>
-              <a:rPr lang="en-US" sz="1400" b="0" i="0" u="none" baseline="0" dirty="0">
+              <a:rPr lang="en-US" sz="1200" b="0" i="0" u="none" baseline="0" dirty="0">
                 <a:solidFill>
                   <a:schemeClr val="bg1"/>
                 </a:solidFill>
-                <a:ea typeface="微软雅黑" panose="020B0503020204020204" pitchFamily="34" charset="-122"/>
+                <a:cs typeface="+mn-ea"/>
                 <a:sym typeface="+mn-lt"/>
               </a:rPr>
               <a:t>Enterprise-class data warehouse;</a:t>
             </a:r>
-            <a:endParaRPr lang="en-US" altLang="zh-CN" sz="1400" dirty="0">
+            <a:endParaRPr lang="en-US" altLang="zh-CN" sz="1200" dirty="0">
               <a:solidFill>
                 <a:schemeClr val="bg1"/>
               </a:solidFill>
-              <a:ea typeface="微软雅黑" panose="020B0503020204020204" pitchFamily="34" charset="-122"/>
+              <a:cs typeface="+mn-ea"/>
               <a:sym typeface="+mn-lt"/>
             </a:endParaRPr>
           </a:p>
@@ -3822,20 +3826,20 @@
               <a:buChar char="•"/>
             </a:pPr>
             <a:r>
-              <a:rPr lang="en-US" sz="1400" b="0" i="0" u="none" baseline="0" dirty="0">
+              <a:rPr lang="en-US" sz="1200" b="0" i="0" u="none" baseline="0" dirty="0">
                 <a:solidFill>
                   <a:schemeClr val="bg1"/>
                 </a:solidFill>
-                <a:ea typeface="微软雅黑" panose="020B0503020204020204" pitchFamily="34" charset="-122"/>
+                <a:cs typeface="+mn-ea"/>
                 <a:sym typeface="+mn-lt"/>
               </a:rPr>
               <a:t>Complete hosting rapid analysis;</a:t>
             </a:r>
-            <a:endParaRPr lang="en-US" altLang="zh-CN" sz="1400" dirty="0">
+            <a:endParaRPr lang="en-US" altLang="zh-CN" sz="1200" dirty="0">
               <a:solidFill>
                 <a:schemeClr val="bg1"/>
               </a:solidFill>
-              <a:ea typeface="微软雅黑" panose="020B0503020204020204" pitchFamily="34" charset="-122"/>
+              <a:cs typeface="+mn-ea"/>
               <a:sym typeface="+mn-lt"/>
             </a:endParaRPr>
           </a:p>
@@ -3845,20 +3849,20 @@
               <a:buChar char="•"/>
             </a:pPr>
             <a:r>
-              <a:rPr lang="en-US" sz="1400" b="0" i="0" u="none" baseline="0" dirty="0">
+              <a:rPr lang="en-US" sz="1200" b="0" i="0" u="none" baseline="0" dirty="0">
                 <a:solidFill>
                   <a:schemeClr val="bg1"/>
                 </a:solidFill>
-                <a:ea typeface="微软雅黑" panose="020B0503020204020204" pitchFamily="34" charset="-122"/>
+                <a:cs typeface="+mn-ea"/>
                 <a:sym typeface="+mn-lt"/>
               </a:rPr>
               <a:t>Agile development of custom scheduling;</a:t>
             </a:r>
-            <a:endParaRPr lang="en-US" altLang="zh-CN" sz="1400" dirty="0">
+            <a:endParaRPr lang="en-US" altLang="zh-CN" sz="1200" dirty="0">
               <a:solidFill>
                 <a:schemeClr val="bg1"/>
               </a:solidFill>
-              <a:ea typeface="微软雅黑" panose="020B0503020204020204" pitchFamily="34" charset="-122"/>
+              <a:cs typeface="+mn-ea"/>
               <a:sym typeface="+mn-lt"/>
             </a:endParaRPr>
           </a:p>
@@ -3868,22 +3872,23 @@
               <a:buChar char="•"/>
             </a:pPr>
             <a:r>
-              <a:rPr lang="en-US" sz="1400" b="0" i="0" u="none" baseline="0" dirty="0">
+              <a:rPr lang="en-US" sz="1200" b="0" i="0" u="none" baseline="0" dirty="0">
                 <a:solidFill>
                   <a:schemeClr val="bg1"/>
                 </a:solidFill>
-                <a:ea typeface="微软雅黑" panose="020B0503020204020204" pitchFamily="34" charset="-122"/>
+                <a:cs typeface="+mn-ea"/>
                 <a:sym typeface="+mn-lt"/>
               </a:rPr>
               <a:t>Flexible authority management</a:t>
             </a:r>
             <a:r>
-              <a:rPr lang="en-US" sz="1400" b="0" i="0" u="none" baseline="0" dirty="0">
+              <a:rPr lang="en-US" sz="1200" b="0" i="0" u="none" baseline="0" dirty="0">
                 <a:solidFill>
                   <a:schemeClr val="bg1">
                     <a:lumMod val="85000"/>
                   </a:schemeClr>
                 </a:solidFill>
+                <a:cs typeface="+mn-ea"/>
                 <a:sym typeface="+mn-lt"/>
               </a:rPr>
               <a:t>;</a:t>
@@ -3920,12 +3925,13 @@
               <a:buFont typeface="Arial" panose="020B0604020202020204" pitchFamily="34" charset="0"/>
               <a:buChar char="•"/>
             </a:pPr>
-            <a:endParaRPr lang="en-US" altLang="en-US" sz="1400" dirty="0">
+            <a:endParaRPr lang="en-US" altLang="en-US" sz="1200" dirty="0">
               <a:solidFill>
                 <a:schemeClr val="bg1">
                   <a:lumMod val="85000"/>
                 </a:schemeClr>
               </a:solidFill>
+              <a:cs typeface="+mn-ea"/>
               <a:sym typeface="+mn-lt"/>
             </a:endParaRPr>
           </a:p>
@@ -3940,7 +3946,7 @@
         <p:spPr>
           <a:xfrm>
             <a:off x="5884938" y="3968468"/>
-            <a:ext cx="2318783" cy="1384995"/>
+            <a:ext cx="2318783" cy="1015663"/>
           </a:xfrm>
           <a:prstGeom prst="rect">
             <a:avLst/>
@@ -3957,20 +3963,20 @@
               <a:buChar char="•"/>
             </a:pPr>
             <a:r>
-              <a:rPr lang="en-US" sz="1400" b="0" i="0" u="none" baseline="0" dirty="0">
+              <a:rPr lang="en-US" sz="1200" b="0" i="0" u="none" baseline="0" dirty="0">
                 <a:solidFill>
                   <a:schemeClr val="bg1"/>
                 </a:solidFill>
-                <a:ea typeface="微软雅黑" panose="020B0503020204020204" pitchFamily="34" charset="-122"/>
+                <a:cs typeface="+mn-ea"/>
                 <a:sym typeface="+mn-lt"/>
               </a:rPr>
               <a:t>Corresponding service of flexible management;</a:t>
             </a:r>
-            <a:endParaRPr lang="en-US" altLang="zh-CN" sz="1400" dirty="0">
+            <a:endParaRPr lang="en-US" altLang="zh-CN" sz="1200" dirty="0">
               <a:solidFill>
                 <a:schemeClr val="bg1"/>
               </a:solidFill>
-              <a:ea typeface="微软雅黑" panose="020B0503020204020204" pitchFamily="34" charset="-122"/>
+              <a:cs typeface="+mn-ea"/>
               <a:sym typeface="+mn-lt"/>
             </a:endParaRPr>
           </a:p>
@@ -3980,20 +3986,20 @@
               <a:buChar char="•"/>
             </a:pPr>
             <a:r>
-              <a:rPr lang="en-US" sz="1400" b="0" i="0" u="none" baseline="0" dirty="0">
+              <a:rPr lang="en-US" sz="1200" b="0" i="0" u="none" baseline="0" dirty="0">
                 <a:solidFill>
                   <a:schemeClr val="bg1"/>
                 </a:solidFill>
-                <a:ea typeface="微软雅黑" panose="020B0503020204020204" pitchFamily="34" charset="-122"/>
+                <a:cs typeface="+mn-ea"/>
                 <a:sym typeface="+mn-lt"/>
               </a:rPr>
               <a:t>Quick access and integrated stream computing;</a:t>
             </a:r>
-            <a:endParaRPr lang="en-US" altLang="zh-CN" sz="1400" dirty="0">
+            <a:endParaRPr lang="en-US" altLang="zh-CN" sz="1200" dirty="0">
               <a:solidFill>
                 <a:schemeClr val="bg1"/>
               </a:solidFill>
-              <a:ea typeface="微软雅黑" panose="020B0503020204020204" pitchFamily="34" charset="-122"/>
+              <a:cs typeface="+mn-ea"/>
               <a:sym typeface="+mn-lt"/>
             </a:endParaRPr>
           </a:p>
@@ -4003,11 +4009,11 @@
               <a:buChar char="•"/>
             </a:pPr>
             <a:r>
-              <a:rPr lang="en-US" sz="1400" b="0" i="0" u="none" baseline="0" dirty="0">
+              <a:rPr lang="en-US" sz="1200" b="0" i="0" u="none" baseline="0" dirty="0">
                 <a:solidFill>
                   <a:schemeClr val="bg1"/>
                 </a:solidFill>
-                <a:ea typeface="微软雅黑" panose="020B0503020204020204" pitchFamily="34" charset="-122"/>
+                <a:cs typeface="+mn-ea"/>
                 <a:sym typeface="+mn-lt"/>
               </a:rPr>
               <a:t>Auto filing;</a:t>
@@ -4044,12 +4050,13 @@
               <a:buFont typeface="Arial" panose="020B0604020202020204" pitchFamily="34" charset="0"/>
               <a:buChar char="•"/>
             </a:pPr>
-            <a:endParaRPr lang="en-US" altLang="en-US" sz="1400" dirty="0">
+            <a:endParaRPr lang="en-US" altLang="en-US" sz="1200" dirty="0">
               <a:solidFill>
                 <a:schemeClr val="bg1">
                   <a:lumMod val="85000"/>
                 </a:schemeClr>
               </a:solidFill>
+              <a:cs typeface="+mn-ea"/>
               <a:sym typeface="+mn-lt"/>
             </a:endParaRPr>
           </a:p>
@@ -4064,7 +4071,7 @@
         <p:spPr>
           <a:xfrm>
             <a:off x="9142846" y="2293012"/>
-            <a:ext cx="2318783" cy="1600438"/>
+            <a:ext cx="2318783" cy="1200329"/>
           </a:xfrm>
           <a:prstGeom prst="rect">
             <a:avLst/>
@@ -4081,20 +4088,20 @@
               <a:buChar char="•"/>
             </a:pPr>
             <a:r>
-              <a:rPr lang="en-US" sz="1400" b="0" i="0" u="none" baseline="0" dirty="0">
+              <a:rPr lang="en-US" sz="1200" b="0" i="0" u="none" baseline="0" dirty="0">
                 <a:solidFill>
                   <a:schemeClr val="bg1"/>
                 </a:solidFill>
-                <a:ea typeface="微软雅黑" panose="020B0503020204020204" pitchFamily="34" charset="-122"/>
+                <a:cs typeface="+mn-ea"/>
                 <a:sym typeface="+mn-lt"/>
               </a:rPr>
               <a:t>Real-time data cleaning statistics &amp; analysis;</a:t>
             </a:r>
-            <a:endParaRPr lang="en-US" altLang="zh-CN" sz="1400" dirty="0">
+            <a:endParaRPr lang="en-US" altLang="zh-CN" sz="1200" dirty="0">
               <a:solidFill>
                 <a:schemeClr val="bg1"/>
               </a:solidFill>
-              <a:ea typeface="微软雅黑" panose="020B0503020204020204" pitchFamily="34" charset="-122"/>
+              <a:cs typeface="+mn-ea"/>
               <a:sym typeface="+mn-lt"/>
             </a:endParaRPr>
           </a:p>
@@ -4104,20 +4111,20 @@
               <a:buChar char="•"/>
             </a:pPr>
             <a:r>
-              <a:rPr lang="en-US" sz="1400" b="0" i="0" u="none" baseline="0" dirty="0">
+              <a:rPr lang="en-US" sz="1200" b="0" i="0" u="none" baseline="0" dirty="0">
                 <a:solidFill>
                   <a:schemeClr val="bg1"/>
                 </a:solidFill>
-                <a:ea typeface="微软雅黑" panose="020B0503020204020204" pitchFamily="34" charset="-122"/>
+                <a:cs typeface="+mn-ea"/>
                 <a:sym typeface="+mn-lt"/>
               </a:rPr>
               <a:t>Automatic integration of relevant products;</a:t>
             </a:r>
-            <a:endParaRPr lang="en-US" altLang="zh-CN" sz="1400" dirty="0">
+            <a:endParaRPr lang="en-US" altLang="zh-CN" sz="1200" dirty="0">
               <a:solidFill>
                 <a:schemeClr val="bg1"/>
               </a:solidFill>
-              <a:ea typeface="微软雅黑" panose="020B0503020204020204" pitchFamily="34" charset="-122"/>
+              <a:cs typeface="+mn-ea"/>
               <a:sym typeface="+mn-lt"/>
             </a:endParaRPr>
           </a:p>
@@ -4127,11 +4134,11 @@
               <a:buChar char="•"/>
             </a:pPr>
             <a:r>
-              <a:rPr lang="en-US" sz="1400" b="0" i="0" u="none" baseline="0" dirty="0">
+              <a:rPr lang="en-US" sz="1200" b="0" i="0" u="none" baseline="0" dirty="0">
                 <a:solidFill>
                   <a:schemeClr val="bg1"/>
                 </a:solidFill>
-                <a:ea typeface="微软雅黑" panose="020B0503020204020204" pitchFamily="34" charset="-122"/>
+                <a:cs typeface="+mn-ea"/>
                 <a:sym typeface="+mn-lt"/>
               </a:rPr>
               <a:t>Custom operation, computing cluster flexibility;</a:t>
@@ -4168,12 +4175,13 @@
               <a:buFont typeface="Arial" panose="020B0604020202020204" pitchFamily="34" charset="0"/>
               <a:buChar char="•"/>
             </a:pPr>
-            <a:endParaRPr lang="en-US" altLang="en-US" sz="1400" dirty="0">
+            <a:endParaRPr lang="en-US" altLang="en-US" sz="1200" dirty="0">
               <a:solidFill>
                 <a:schemeClr val="bg1">
                   <a:lumMod val="85000"/>
                 </a:schemeClr>
               </a:solidFill>
+              <a:cs typeface="+mn-ea"/>
               <a:sym typeface="+mn-lt"/>
             </a:endParaRPr>
           </a:p>
@@ -4188,7 +4196,7 @@
         <p:spPr>
           <a:xfrm>
             <a:off x="5217828" y="730686"/>
-            <a:ext cx="2244021" cy="1169551"/>
+            <a:ext cx="2244021" cy="830997"/>
           </a:xfrm>
           <a:prstGeom prst="rect">
             <a:avLst/>
@@ -4205,40 +4213,20 @@
               <a:buChar char="•"/>
             </a:pPr>
             <a:r>
-              <a:rPr lang="en-US" sz="1400" b="0" i="0" u="none" baseline="0" dirty="0">
+              <a:rPr lang="en-US" sz="1200" b="0" i="0" u="none" baseline="0" dirty="0">
                 <a:solidFill>
                   <a:schemeClr val="bg1"/>
                 </a:solidFill>
-                <a:ea typeface="微软雅黑" panose="020B0503020204020204" pitchFamily="34" charset="-122"/>
+                <a:cs typeface="+mn-ea"/>
                 <a:sym typeface="+mn-lt"/>
               </a:rPr>
-              <a:t>Elastic Compute, creating </a:t>
-            </a:r>
-            <a:r>
-              <a:rPr lang="en-US" sz="1400" b="0" i="0" u="none" baseline="0" dirty="0" smtClean="0">
-                <a:solidFill>
-                  <a:schemeClr val="bg1"/>
-                </a:solidFill>
-                <a:ea typeface="微软雅黑" panose="020B0503020204020204" pitchFamily="34" charset="-122"/>
-                <a:sym typeface="+mn-lt"/>
-              </a:rPr>
-              <a:t>clusters </a:t>
-            </a:r>
-            <a:r>
-              <a:rPr lang="en-US" sz="1400" b="0" i="0" u="none" baseline="0" dirty="0">
-                <a:solidFill>
-                  <a:schemeClr val="bg1"/>
-                </a:solidFill>
-                <a:ea typeface="微软雅黑" panose="020B0503020204020204" pitchFamily="34" charset="-122"/>
-                <a:sym typeface="+mn-lt"/>
-              </a:rPr>
-              <a:t>quickly; </a:t>
-            </a:r>
-            <a:endParaRPr lang="en-US" altLang="zh-CN" sz="1400" dirty="0">
+              <a:t>Elastic Compute, creating cluster quickly; </a:t>
+            </a:r>
+            <a:endParaRPr lang="en-US" altLang="zh-CN" sz="1200" dirty="0">
               <a:solidFill>
                 <a:schemeClr val="bg1"/>
               </a:solidFill>
-              <a:ea typeface="微软雅黑" panose="020B0503020204020204" pitchFamily="34" charset="-122"/>
+              <a:cs typeface="+mn-ea"/>
               <a:sym typeface="+mn-lt"/>
             </a:endParaRPr>
           </a:p>
@@ -4248,11 +4236,11 @@
               <a:buChar char="•"/>
             </a:pPr>
             <a:r>
-              <a:rPr lang="en-US" sz="1400" b="0" i="0" u="none" baseline="0" dirty="0">
+              <a:rPr lang="en-US" sz="1200" b="0" i="0" u="none" baseline="0" dirty="0">
                 <a:solidFill>
                   <a:schemeClr val="bg1"/>
                 </a:solidFill>
-                <a:ea typeface="微软雅黑" panose="020B0503020204020204" pitchFamily="34" charset="-122"/>
+                <a:cs typeface="+mn-ea"/>
                 <a:sym typeface="+mn-lt"/>
               </a:rPr>
               <a:t>Computing as required, cost saving;</a:t>
@@ -4335,7 +4323,8 @@
           <a:lstStyle/>
           <a:p>
             <a:pPr algn="ctr" rtl="0"/>
-            <a:endParaRPr lang="en-US" altLang="en-US" sz="1400" dirty="0">
+            <a:endParaRPr lang="en-US" altLang="en-US" sz="1050" dirty="0">
+              <a:cs typeface="+mn-ea"/>
               <a:sym typeface="+mn-lt"/>
             </a:endParaRPr>
           </a:p>
@@ -4386,7 +4375,8 @@
           <a:lstStyle/>
           <a:p>
             <a:pPr algn="ctr" rtl="0"/>
-            <a:endParaRPr lang="en-US" altLang="en-US" sz="1400" dirty="0">
+            <a:endParaRPr lang="en-US" altLang="en-US" sz="1050" dirty="0">
+              <a:cs typeface="+mn-ea"/>
               <a:sym typeface="+mn-lt"/>
             </a:endParaRPr>
           </a:p>
@@ -4438,12 +4428,14 @@
           <a:p>
             <a:pPr algn="ctr" rtl="0"/>
             <a:r>
-              <a:rPr lang="en-US" sz="1400" b="0" i="0" u="none" baseline="0" dirty="0">
+              <a:rPr lang="en-US" sz="1050" b="0" i="0" u="none" baseline="0" dirty="0">
+                <a:cs typeface="+mn-ea"/>
                 <a:sym typeface="+mn-lt"/>
               </a:rPr>
               <a:t> </a:t>
             </a:r>
-            <a:endParaRPr lang="en-US" altLang="en-US" sz="1400" dirty="0">
+            <a:endParaRPr lang="en-US" altLang="en-US" sz="1050" dirty="0">
+              <a:cs typeface="+mn-ea"/>
               <a:sym typeface="+mn-lt"/>
             </a:endParaRPr>
           </a:p>
@@ -4489,8 +4481,8 @@
           <a:p>
             <a:pPr algn="ctr" rtl="0"/>
             <a:r>
-              <a:rPr lang="en-US" sz="1100" b="0" i="0" u="none" baseline="0" dirty="0">
-                <a:ea typeface="微软雅黑" panose="020B0503020204020204" pitchFamily="34" charset="-122"/>
+              <a:rPr lang="en-US" sz="900" b="0" i="0" u="none" baseline="0" dirty="0">
+                <a:cs typeface="+mn-ea"/>
                 <a:sym typeface="+mn-lt"/>
               </a:rPr>
               <a:t>2. Add connection</a:t>
@@ -4538,8 +4530,8 @@
           <a:p>
             <a:pPr algn="ctr" rtl="0"/>
             <a:r>
-              <a:rPr lang="en-US" sz="1100" b="0" i="0" u="none" baseline="0" dirty="0">
-                <a:ea typeface="微软雅黑" panose="020B0503020204020204" pitchFamily="34" charset="-122"/>
+              <a:rPr lang="en-US" sz="900" b="0" i="0" u="none" baseline="0" dirty="0">
+                <a:cs typeface="+mn-ea"/>
                 <a:sym typeface="+mn-lt"/>
               </a:rPr>
               <a:t>5. Create task</a:t>
@@ -4587,8 +4579,8 @@
           <a:p>
             <a:pPr algn="ctr" rtl="0"/>
             <a:r>
-              <a:rPr lang="en-US" sz="1100" b="0" i="0" u="none" baseline="0" dirty="0">
-                <a:ea typeface="微软雅黑" panose="020B0503020204020204" pitchFamily="34" charset="-122"/>
+              <a:rPr lang="en-US" sz="900" b="0" i="0" u="none" baseline="0" dirty="0">
+                <a:cs typeface="+mn-ea"/>
                 <a:sym typeface="+mn-lt"/>
               </a:rPr>
               <a:t>3. Create library list</a:t>
@@ -4636,33 +4628,12 @@
           <a:p>
             <a:pPr algn="ctr" rtl="0"/>
             <a:r>
-              <a:rPr lang="en-US" sz="1100" b="0" i="0" u="none" baseline="0" dirty="0">
-                <a:ea typeface="微软雅黑" panose="020B0503020204020204" pitchFamily="34" charset="-122"/>
+              <a:rPr lang="en-US" sz="900" b="0" i="0" u="none" baseline="0" dirty="0">
+                <a:cs typeface="+mn-ea"/>
                 <a:sym typeface="+mn-lt"/>
               </a:rPr>
-              <a:t>6. </a:t>
-            </a:r>
-            <a:r>
-              <a:rPr lang="en-US" sz="1100" b="0" i="0" u="none" baseline="0" dirty="0" smtClean="0">
-                <a:ea typeface="微软雅黑" panose="020B0503020204020204" pitchFamily="34" charset="-122"/>
-                <a:sym typeface="+mn-lt"/>
-              </a:rPr>
-              <a:t>Operation </a:t>
-            </a:r>
-          </a:p>
-          <a:p>
-            <a:pPr algn="ctr" rtl="0"/>
-            <a:r>
-              <a:rPr lang="en-US" sz="1100" b="0" i="0" u="none" baseline="0" dirty="0" smtClean="0">
-                <a:ea typeface="微软雅黑" panose="020B0503020204020204" pitchFamily="34" charset="-122"/>
-                <a:sym typeface="+mn-lt"/>
-              </a:rPr>
-              <a:t>scheduling</a:t>
-            </a:r>
-            <a:endParaRPr lang="en-US" sz="1100" b="0" i="0" u="none" baseline="0" dirty="0">
-              <a:ea typeface="微软雅黑" panose="020B0503020204020204" pitchFamily="34" charset="-122"/>
-              <a:sym typeface="+mn-lt"/>
-            </a:endParaRPr>
+              <a:t>6. Job scheduling</a:t>
+            </a:r>
           </a:p>
         </p:txBody>
       </p:sp>
@@ -4706,8 +4677,8 @@
           <a:p>
             <a:pPr algn="ctr" rtl="0"/>
             <a:r>
-              <a:rPr lang="en-US" sz="1100" b="0" i="0" u="none" baseline="0" dirty="0">
-                <a:ea typeface="微软雅黑" panose="020B0503020204020204" pitchFamily="34" charset="-122"/>
+              <a:rPr lang="en-US" sz="900" b="0" i="0" u="none" baseline="0" dirty="0">
+                <a:cs typeface="+mn-ea"/>
                 <a:sym typeface="+mn-lt"/>
               </a:rPr>
               <a:t>7. Submit/start</a:t>
@@ -4755,8 +4726,8 @@
           <a:p>
             <a:pPr algn="ctr" rtl="0"/>
             <a:r>
-              <a:rPr lang="en-US" sz="1000" b="0" i="0" u="none" baseline="0" dirty="0">
-                <a:ea typeface="微软雅黑" panose="020B0503020204020204" pitchFamily="34" charset="-122"/>
+              <a:rPr lang="en-US" sz="900" b="0" i="0" u="none" baseline="0" dirty="0">
+                <a:cs typeface="+mn-ea"/>
                 <a:sym typeface="+mn-lt"/>
               </a:rPr>
               <a:t>8. Job operation and maintenance</a:t>
@@ -4804,8 +4775,8 @@
           <a:p>
             <a:pPr algn="ctr" rtl="0"/>
             <a:r>
-              <a:rPr lang="en-US" sz="1100" b="0" i="0" u="none" baseline="0" dirty="0">
-                <a:ea typeface="微软雅黑" panose="020B0503020204020204" pitchFamily="34" charset="-122"/>
+              <a:rPr lang="en-US" sz="900" b="0" i="0" u="none" baseline="0" dirty="0">
+                <a:cs typeface="+mn-ea"/>
                 <a:sym typeface="+mn-lt"/>
               </a:rPr>
               <a:t>4. Task development (SQL/Python//Scala)</a:t>
@@ -4853,14 +4824,14 @@
           <a:p>
             <a:pPr algn="l" rtl="0"/>
             <a:r>
-              <a:rPr lang="en-US" sz="1100" b="0" i="0" u="none" baseline="0" dirty="0">
-                <a:ea typeface="微软雅黑" panose="020B0503020204020204" pitchFamily="34" charset="-122"/>
+              <a:rPr lang="en-US" sz="900" b="0" i="0" u="none" baseline="0" dirty="0">
+                <a:cs typeface="+mn-ea"/>
                 <a:sym typeface="+mn-lt"/>
               </a:rPr>
               <a:t>10. BI Report</a:t>
             </a:r>
-            <a:endParaRPr lang="en-US" altLang="zh-CN" sz="1100" dirty="0">
-              <a:ea typeface="微软雅黑" panose="020B0503020204020204" pitchFamily="34" charset="-122"/>
+            <a:endParaRPr lang="en-US" altLang="zh-CN" sz="900" dirty="0">
+              <a:cs typeface="+mn-ea"/>
               <a:sym typeface="+mn-lt"/>
             </a:endParaRPr>
           </a:p>
@@ -4906,8 +4877,8 @@
           <a:p>
             <a:pPr algn="ctr" rtl="0"/>
             <a:r>
-              <a:rPr lang="en-US" sz="1100" b="0" i="0" u="none" baseline="0" dirty="0">
-                <a:ea typeface="微软雅黑" panose="020B0503020204020204" pitchFamily="34" charset="-122"/>
+              <a:rPr lang="en-US" sz="900" b="0" i="0" u="none" baseline="0" dirty="0">
+                <a:cs typeface="+mn-ea"/>
                 <a:sym typeface="+mn-lt"/>
               </a:rPr>
               <a:t>1. Data access</a:t>
@@ -4955,14 +4926,14 @@
           <a:p>
             <a:pPr algn="l" rtl="0"/>
             <a:r>
-              <a:rPr lang="en-US" sz="1100" b="0" i="0" u="none" baseline="0" dirty="0">
-                <a:ea typeface="微软雅黑" panose="020B0503020204020204" pitchFamily="34" charset="-122"/>
+              <a:rPr lang="en-US" sz="900" b="0" i="0" u="none" baseline="0" dirty="0">
+                <a:cs typeface="+mn-ea"/>
                 <a:sym typeface="+mn-lt"/>
               </a:rPr>
               <a:t>9. Add data</a:t>
             </a:r>
-            <a:endParaRPr lang="en-US" altLang="zh-CN" sz="1100" dirty="0">
-              <a:ea typeface="微软雅黑" panose="020B0503020204020204" pitchFamily="34" charset="-122"/>
+            <a:endParaRPr lang="en-US" altLang="zh-CN" sz="900" dirty="0">
+              <a:cs typeface="+mn-ea"/>
               <a:sym typeface="+mn-lt"/>
             </a:endParaRPr>
           </a:p>
@@ -5306,7 +5277,7 @@
         <p:spPr>
           <a:xfrm>
             <a:off x="1773467" y="2542539"/>
-            <a:ext cx="1584176" cy="307777"/>
+            <a:ext cx="1584176" cy="261610"/>
           </a:xfrm>
           <a:prstGeom prst="rect">
             <a:avLst/>
@@ -5321,11 +5292,11 @@
           <a:p>
             <a:pPr algn="l" rtl="0"/>
             <a:r>
-              <a:rPr lang="en-US" sz="1400" b="0" i="0" u="none" baseline="0" dirty="0">
+              <a:rPr lang="en-US" sz="1050" b="0" i="0" u="none" baseline="0" dirty="0">
                 <a:solidFill>
                   <a:srgbClr val="002060"/>
                 </a:solidFill>
-                <a:ea typeface="微软雅黑" panose="020B0503020204020204" pitchFamily="34" charset="-122"/>
+                <a:cs typeface="+mn-ea"/>
                 <a:sym typeface="+mn-lt"/>
               </a:rPr>
               <a:t>Data Factory</a:t>
@@ -5342,7 +5313,7 @@
         <p:spPr>
           <a:xfrm>
             <a:off x="1773467" y="3455716"/>
-            <a:ext cx="3265258" cy="307777"/>
+            <a:ext cx="3162600" cy="253916"/>
           </a:xfrm>
           <a:prstGeom prst="rect">
             <a:avLst/>
@@ -5357,11 +5328,11 @@
           <a:p>
             <a:pPr algn="l" rtl="0"/>
             <a:r>
-              <a:rPr lang="en-US" sz="1400" b="0" i="0" u="none" baseline="0" dirty="0">
+              <a:rPr lang="en-US" sz="1050" b="0" i="0" u="none" baseline="0" dirty="0">
                 <a:solidFill>
                   <a:srgbClr val="002060"/>
                 </a:solidFill>
-                <a:ea typeface="微软雅黑" panose="020B0503020204020204" pitchFamily="34" charset="-122"/>
+                <a:cs typeface="+mn-ea"/>
                 <a:sym typeface="+mn-lt"/>
               </a:rPr>
               <a:t>Data Computing Service</a:t>
@@ -5378,7 +5349,7 @@
         <p:spPr>
           <a:xfrm>
             <a:off x="1782992" y="4274519"/>
-            <a:ext cx="1584176" cy="307777"/>
+            <a:ext cx="1584176" cy="261610"/>
           </a:xfrm>
           <a:prstGeom prst="rect">
             <a:avLst/>
@@ -5393,11 +5364,11 @@
           <a:p>
             <a:pPr algn="l" rtl="0"/>
             <a:r>
-              <a:rPr lang="en-US" sz="1400" b="0" i="0" u="none" baseline="0" dirty="0">
+              <a:rPr lang="en-US" sz="1050" b="0" i="0" u="none" baseline="0" dirty="0">
                 <a:solidFill>
                   <a:srgbClr val="002060"/>
                 </a:solidFill>
-                <a:ea typeface="微软雅黑" panose="020B0503020204020204" pitchFamily="34" charset="-122"/>
+                <a:cs typeface="+mn-ea"/>
                 <a:sym typeface="+mn-lt"/>
               </a:rPr>
               <a:t>BI Report</a:t>
@@ -5481,12 +5452,14 @@
           <a:p>
             <a:pPr algn="ctr" rtl="0"/>
             <a:r>
-              <a:rPr lang="en-US" sz="1200" b="0" i="0" u="none" baseline="0" dirty="0">
+              <a:rPr lang="en-US" sz="1050" b="0" i="0" u="none" baseline="0" dirty="0">
+                <a:cs typeface="+mn-ea"/>
                 <a:sym typeface="+mn-lt"/>
               </a:rPr>
               <a:t> </a:t>
             </a:r>
-            <a:endParaRPr lang="en-US" altLang="en-US" sz="1200" dirty="0">
+            <a:endParaRPr lang="en-US" altLang="en-US" sz="1050" dirty="0">
+              <a:cs typeface="+mn-ea"/>
               <a:sym typeface="+mn-lt"/>
             </a:endParaRPr>
           </a:p>
@@ -5538,12 +5511,14 @@
           <a:p>
             <a:pPr algn="ctr" rtl="0"/>
             <a:r>
-              <a:rPr lang="en-US" sz="1200" b="0" i="0" u="none" baseline="0" dirty="0">
+              <a:rPr lang="en-US" sz="1050" b="0" i="0" u="none" baseline="0" dirty="0">
+                <a:cs typeface="+mn-ea"/>
                 <a:sym typeface="+mn-lt"/>
               </a:rPr>
               <a:t> </a:t>
             </a:r>
-            <a:endParaRPr lang="en-US" altLang="en-US" sz="1200" dirty="0">
+            <a:endParaRPr lang="en-US" altLang="en-US" sz="1050" dirty="0">
+              <a:cs typeface="+mn-ea"/>
               <a:sym typeface="+mn-lt"/>
             </a:endParaRPr>
           </a:p>
@@ -5595,12 +5570,14 @@
           <a:p>
             <a:pPr algn="ctr" rtl="0"/>
             <a:r>
-              <a:rPr lang="en-US" sz="1200" b="0" i="0" u="none" baseline="0" dirty="0">
+              <a:rPr lang="en-US" sz="1050" b="0" i="0" u="none" baseline="0" dirty="0">
+                <a:cs typeface="+mn-ea"/>
                 <a:sym typeface="+mn-lt"/>
               </a:rPr>
               <a:t> </a:t>
             </a:r>
-            <a:endParaRPr lang="en-US" altLang="en-US" sz="1200" dirty="0">
+            <a:endParaRPr lang="en-US" altLang="en-US" sz="1050" dirty="0">
+              <a:cs typeface="+mn-ea"/>
               <a:sym typeface="+mn-lt"/>
             </a:endParaRPr>
           </a:p>
@@ -5646,8 +5623,8 @@
           <a:p>
             <a:pPr algn="ctr" rtl="0"/>
             <a:r>
-              <a:rPr lang="en-US" sz="1050" b="0" i="0" u="none" baseline="0" dirty="0">
-                <a:ea typeface="微软雅黑" panose="020B0503020204020204" pitchFamily="34" charset="-122"/>
+              <a:rPr lang="en-US" sz="900" b="0" i="0" u="none" baseline="0" dirty="0">
+                <a:cs typeface="+mn-ea"/>
                 <a:sym typeface="+mn-lt"/>
               </a:rPr>
               <a:t>1. Data access</a:t>
@@ -5695,8 +5672,8 @@
           <a:p>
             <a:pPr algn="ctr" rtl="0"/>
             <a:r>
-              <a:rPr lang="en-US" sz="1050" b="0" i="0" u="none" baseline="0" dirty="0">
-                <a:ea typeface="微软雅黑" panose="020B0503020204020204" pitchFamily="34" charset="-122"/>
+              <a:rPr lang="en-US" sz="900" b="0" i="0" u="none" baseline="0" dirty="0">
+                <a:cs typeface="+mn-ea"/>
                 <a:sym typeface="+mn-lt"/>
               </a:rPr>
               <a:t>2. Create subject</a:t>
@@ -5744,8 +5721,8 @@
           <a:p>
             <a:pPr algn="ctr" rtl="0"/>
             <a:r>
-              <a:rPr lang="en-US" sz="1050" b="0" i="0" u="none" baseline="0" dirty="0">
-                <a:ea typeface="微软雅黑" panose="020B0503020204020204" pitchFamily="34" charset="-122"/>
+              <a:rPr lang="en-US" sz="900" b="0" i="0" u="none" baseline="0" dirty="0">
+                <a:cs typeface="+mn-ea"/>
                 <a:sym typeface="+mn-lt"/>
               </a:rPr>
               <a:t>3. Filing setting</a:t>
@@ -5793,8 +5770,8 @@
           <a:p>
             <a:pPr algn="ctr" rtl="0"/>
             <a:r>
-              <a:rPr lang="en-US" sz="1050" b="0" i="0" u="none" baseline="0" dirty="0">
-                <a:ea typeface="微软雅黑" panose="020B0503020204020204" pitchFamily="34" charset="-122"/>
+              <a:rPr lang="en-US" sz="900" b="0" i="0" u="none" baseline="0" dirty="0">
+                <a:cs typeface="+mn-ea"/>
                 <a:sym typeface="+mn-lt"/>
               </a:rPr>
               <a:t>5. Connect data</a:t>
@@ -5842,8 +5819,8 @@
           <a:p>
             <a:pPr algn="ctr" rtl="0"/>
             <a:r>
-              <a:rPr lang="en-US" sz="1050" b="0" i="0" u="none" baseline="0" dirty="0">
-                <a:ea typeface="微软雅黑" panose="020B0503020204020204" pitchFamily="34" charset="-122"/>
+              <a:rPr lang="en-US" sz="900" b="0" i="0" u="none" baseline="0" dirty="0">
+                <a:cs typeface="+mn-ea"/>
                 <a:sym typeface="+mn-lt"/>
               </a:rPr>
               <a:t>6. Create application</a:t>
@@ -5891,8 +5868,8 @@
           <a:p>
             <a:pPr algn="ctr" rtl="0"/>
             <a:r>
-              <a:rPr lang="en-US" sz="1050" b="0" i="0" u="none" baseline="0" dirty="0">
-                <a:ea typeface="微软雅黑" panose="020B0503020204020204" pitchFamily="34" charset="-122"/>
+              <a:rPr lang="en-US" sz="900" b="0" i="0" u="none" baseline="0" dirty="0">
+                <a:cs typeface="+mn-ea"/>
                 <a:sym typeface="+mn-lt"/>
               </a:rPr>
               <a:t>7. Create input</a:t>
@@ -5940,8 +5917,8 @@
           <a:p>
             <a:pPr algn="ctr" rtl="0"/>
             <a:r>
-              <a:rPr lang="en-US" sz="1050" b="0" i="0" u="none" baseline="0" dirty="0">
-                <a:ea typeface="微软雅黑" panose="020B0503020204020204" pitchFamily="34" charset="-122"/>
+              <a:rPr lang="en-US" sz="900" b="0" i="0" u="none" baseline="0" dirty="0">
+                <a:cs typeface="+mn-ea"/>
                 <a:sym typeface="+mn-lt"/>
               </a:rPr>
               <a:t>4. Create screen </a:t>
@@ -6170,7 +6147,7 @@
         <p:spPr>
           <a:xfrm>
             <a:off x="2289366" y="1933575"/>
-            <a:ext cx="1584176" cy="276999"/>
+            <a:ext cx="1584176" cy="261610"/>
           </a:xfrm>
           <a:prstGeom prst="rect">
             <a:avLst/>
@@ -6185,11 +6162,11 @@
           <a:p>
             <a:pPr algn="l" rtl="0"/>
             <a:r>
-              <a:rPr lang="en-US" sz="1200" b="0" i="0" u="none" baseline="0" dirty="0">
+              <a:rPr lang="en-US" sz="1050" b="0" i="0" u="none" baseline="0" dirty="0">
                 <a:solidFill>
                   <a:srgbClr val="002060"/>
                 </a:solidFill>
-                <a:ea typeface="微软雅黑" panose="020B0503020204020204" pitchFamily="34" charset="-122"/>
+                <a:cs typeface="+mn-ea"/>
                 <a:sym typeface="+mn-lt"/>
               </a:rPr>
               <a:t>Streaming Data Bus</a:t>
@@ -6206,7 +6183,7 @@
         <p:spPr>
           <a:xfrm>
             <a:off x="2289366" y="2904937"/>
-            <a:ext cx="1584176" cy="276999"/>
+            <a:ext cx="1584176" cy="261610"/>
           </a:xfrm>
           <a:prstGeom prst="rect">
             <a:avLst/>
@@ -6221,11 +6198,11 @@
           <a:p>
             <a:pPr algn="l" rtl="0"/>
             <a:r>
-              <a:rPr lang="en-US" sz="1200" b="0" i="0" u="none" baseline="0" dirty="0">
+              <a:rPr lang="en-US" sz="1050" b="0" i="0" u="none" baseline="0" dirty="0">
                 <a:solidFill>
                   <a:srgbClr val="002060"/>
                 </a:solidFill>
-                <a:ea typeface="微软雅黑" panose="020B0503020204020204" pitchFamily="34" charset="-122"/>
+                <a:cs typeface="+mn-ea"/>
                 <a:sym typeface="+mn-lt"/>
               </a:rPr>
               <a:t>Stream Computing</a:t>
@@ -6241,8 +6218,8 @@
         </p:nvSpPr>
         <p:spPr>
           <a:xfrm>
-            <a:off x="5822861" y="1945694"/>
-            <a:ext cx="2092413" cy="276999"/>
+            <a:off x="5822862" y="1945694"/>
+            <a:ext cx="2508338" cy="253916"/>
           </a:xfrm>
           <a:prstGeom prst="rect">
             <a:avLst/>
@@ -6257,11 +6234,11 @@
           <a:p>
             <a:pPr algn="l" rtl="0"/>
             <a:r>
-              <a:rPr lang="en-US" sz="1200" b="0" i="0" u="none" baseline="0" dirty="0">
+              <a:rPr lang="en-US" sz="1050" b="0" i="0" u="none" baseline="0" dirty="0">
                 <a:solidFill>
                   <a:srgbClr val="002060"/>
                 </a:solidFill>
-                <a:ea typeface="微软雅黑" panose="020B0503020204020204" pitchFamily="34" charset="-122"/>
+                <a:cs typeface="+mn-ea"/>
                 <a:sym typeface="+mn-lt"/>
               </a:rPr>
               <a:t>Data Visualization Screen</a:t>
@@ -6309,8 +6286,8 @@
           <a:p>
             <a:pPr algn="ctr" rtl="0"/>
             <a:r>
-              <a:rPr lang="en-US" sz="1050" b="0" i="0" u="none" baseline="0" dirty="0">
-                <a:ea typeface="微软雅黑" panose="020B0503020204020204" pitchFamily="34" charset="-122"/>
+              <a:rPr lang="en-US" sz="900" b="0" i="0" u="none" baseline="0" dirty="0">
+                <a:cs typeface="+mn-ea"/>
                 <a:sym typeface="+mn-lt"/>
               </a:rPr>
               <a:t>8. Create output</a:t>
@@ -6358,8 +6335,8 @@
           <a:p>
             <a:pPr algn="ctr" rtl="0"/>
             <a:r>
-              <a:rPr lang="en-US" sz="1050" b="0" i="0" u="none" baseline="0" dirty="0">
-                <a:ea typeface="微软雅黑" panose="020B0503020204020204" pitchFamily="34" charset="-122"/>
+              <a:rPr lang="en-US" sz="900" b="0" i="0" u="none" baseline="0" dirty="0">
+                <a:cs typeface="+mn-ea"/>
                 <a:sym typeface="+mn-lt"/>
               </a:rPr>
               <a:t>9. Create search</a:t>
@@ -6480,12 +6457,14 @@
           <a:p>
             <a:pPr algn="ctr" rtl="0"/>
             <a:r>
-              <a:rPr lang="en-US" sz="1200" b="0" i="0" u="none" baseline="0" dirty="0">
+              <a:rPr lang="en-US" sz="1050" b="0" i="0" u="none" baseline="0" dirty="0">
+                <a:cs typeface="+mn-ea"/>
                 <a:sym typeface="+mn-lt"/>
               </a:rPr>
               <a:t> </a:t>
             </a:r>
-            <a:endParaRPr lang="en-US" altLang="en-US" sz="1200" dirty="0">
+            <a:endParaRPr lang="en-US" altLang="en-US" sz="1050" dirty="0">
+              <a:cs typeface="+mn-ea"/>
               <a:sym typeface="+mn-lt"/>
             </a:endParaRPr>
           </a:p>
@@ -6531,23 +6510,12 @@
           <a:p>
             <a:pPr algn="ctr" rtl="0"/>
             <a:r>
-              <a:rPr lang="en-US" sz="1050" b="0" i="0" u="none" baseline="0" dirty="0">
-                <a:ea typeface="微软雅黑" panose="020B0503020204020204" pitchFamily="34" charset="-122"/>
+              <a:rPr lang="en-US" sz="900" b="0" i="0" u="none" baseline="0" dirty="0">
+                <a:cs typeface="+mn-ea"/>
                 <a:sym typeface="+mn-lt"/>
               </a:rPr>
-              <a:t>1. Create </a:t>
-            </a:r>
-            <a:r>
-              <a:rPr lang="en-US" sz="1050" b="0" i="0" u="none" baseline="0" dirty="0" smtClean="0">
-                <a:ea typeface="微软雅黑" panose="020B0503020204020204" pitchFamily="34" charset="-122"/>
-                <a:sym typeface="+mn-lt"/>
-              </a:rPr>
-              <a:t>clusters</a:t>
-            </a:r>
-            <a:endParaRPr lang="en-US" sz="1050" b="0" i="0" u="none" baseline="0" dirty="0">
-              <a:ea typeface="微软雅黑" panose="020B0503020204020204" pitchFamily="34" charset="-122"/>
-              <a:sym typeface="+mn-lt"/>
-            </a:endParaRPr>
+              <a:t>1. Create cluster</a:t>
+            </a:r>
           </a:p>
         </p:txBody>
       </p:sp>
@@ -6591,8 +6559,8 @@
           <a:p>
             <a:pPr algn="ctr" rtl="0"/>
             <a:r>
-              <a:rPr lang="en-US" sz="1050" b="0" i="0" u="none" baseline="0" dirty="0">
-                <a:ea typeface="微软雅黑" panose="020B0503020204020204" pitchFamily="34" charset="-122"/>
+              <a:rPr lang="en-US" sz="900" b="0" i="0" u="none" baseline="0" dirty="0">
+                <a:cs typeface="+mn-ea"/>
                 <a:sym typeface="+mn-lt"/>
               </a:rPr>
               <a:t>2. Parameter configuration</a:t>
@@ -6640,8 +6608,8 @@
           <a:p>
             <a:pPr algn="ctr" rtl="0"/>
             <a:r>
-              <a:rPr lang="en-US" sz="1050" b="0" i="0" u="none" baseline="0" dirty="0">
-                <a:ea typeface="微软雅黑" panose="020B0503020204020204" pitchFamily="34" charset="-122"/>
+              <a:rPr lang="en-US" sz="900" b="0" i="0" u="none" baseline="0" dirty="0">
+                <a:cs typeface="+mn-ea"/>
                 <a:sym typeface="+mn-lt"/>
               </a:rPr>
               <a:t>3. Create operation</a:t>
@@ -6689,8 +6657,8 @@
           <a:p>
             <a:pPr algn="ctr" rtl="0"/>
             <a:r>
-              <a:rPr lang="en-US" sz="1050" b="0" i="0" u="none" baseline="0" dirty="0">
-                <a:ea typeface="微软雅黑" panose="020B0503020204020204" pitchFamily="34" charset="-122"/>
+              <a:rPr lang="en-US" sz="900" b="0" i="0" u="none" baseline="0" dirty="0">
+                <a:cs typeface="+mn-ea"/>
                 <a:sym typeface="+mn-lt"/>
               </a:rPr>
               <a:t>4. Regular task scheduling </a:t>
@@ -6812,7 +6780,7 @@
         <p:spPr>
           <a:xfrm>
             <a:off x="410399" y="1885005"/>
-            <a:ext cx="1584176" cy="461665"/>
+            <a:ext cx="1584176" cy="430887"/>
           </a:xfrm>
           <a:prstGeom prst="rect">
             <a:avLst/>
@@ -6827,22 +6795,22 @@
           <a:p>
             <a:pPr algn="l" rtl="0"/>
             <a:r>
-              <a:rPr lang="en-US" sz="1200" b="0" i="0" u="none" baseline="0" dirty="0">
+              <a:rPr lang="en-US" sz="1050" b="0" i="0" u="none" baseline="0" dirty="0">
                 <a:solidFill>
                   <a:srgbClr val="002060"/>
                 </a:solidFill>
-                <a:ea typeface="微软雅黑" panose="020B0503020204020204" pitchFamily="34" charset="-122"/>
+                <a:cs typeface="+mn-ea"/>
                 <a:sym typeface="+mn-lt"/>
               </a:rPr>
               <a:t>JD MapReduce</a:t>
             </a:r>
           </a:p>
           <a:p>
-            <a:endParaRPr lang="en-US" altLang="en-US" sz="1200" dirty="0">
+            <a:endParaRPr lang="en-US" altLang="en-US" sz="1050" dirty="0">
               <a:solidFill>
                 <a:srgbClr val="002060"/>
               </a:solidFill>
-              <a:ea typeface="微软雅黑" panose="020B0503020204020204" pitchFamily="34" charset="-122"/>
+              <a:cs typeface="+mn-ea"/>
               <a:sym typeface="+mn-lt"/>
             </a:endParaRPr>
           </a:p>
@@ -6902,7 +6870,7 @@
         <a:srgbClr val="954F72"/>
       </a:folHlink>
     </a:clrScheme>
-    <a:fontScheme name="puvpgyjr">
+    <a:fontScheme name="xz2n3h4b">
       <a:majorFont>
         <a:latin typeface="Arial"/>
         <a:ea typeface="SimSun"/>
